--- a/meetups/02_meetup02/meetup2.pptx
+++ b/meetups/02_meetup02/meetup2.pptx
@@ -4675,7 +4675,7 @@
           <a:graphicData uri="http://schemas.openxmlformats.org/presentationml/2006/ole">
             <mc:AlternateContent xmlns:mc="http://schemas.openxmlformats.org/markup-compatibility/2006">
               <mc:Choice xmlns:v="urn:schemas-microsoft-com:vml" Requires="v">
-                <p:oleObj spid="_x0000_s1047" name="think-cell Slide" r:id="rId16" imgW="7772400" imgH="10058400" progId="TCLayout.ActiveDocument.1">
+                <p:oleObj spid="_x0000_s1050" name="think-cell Slide" r:id="rId16" imgW="7772400" imgH="10058400" progId="TCLayout.ActiveDocument.1">
                   <p:embed/>
                 </p:oleObj>
               </mc:Choice>
@@ -5362,7 +5362,7 @@
           <a:graphicData uri="http://schemas.openxmlformats.org/presentationml/2006/ole">
             <mc:AlternateContent xmlns:mc="http://schemas.openxmlformats.org/markup-compatibility/2006">
               <mc:Choice xmlns:v="urn:schemas-microsoft-com:vml" Requires="v">
-                <p:oleObj spid="_x0000_s2071" name="think-cell Slide" r:id="rId4" imgW="7772400" imgH="10058400" progId="TCLayout.ActiveDocument.1">
+                <p:oleObj spid="_x0000_s2074" name="think-cell Slide" r:id="rId4" imgW="7772400" imgH="10058400" progId="TCLayout.ActiveDocument.1">
                   <p:embed/>
                 </p:oleObj>
               </mc:Choice>
@@ -5874,7 +5874,7 @@
           <a:graphicData uri="http://schemas.openxmlformats.org/presentationml/2006/ole">
             <mc:AlternateContent xmlns:mc="http://schemas.openxmlformats.org/markup-compatibility/2006">
               <mc:Choice xmlns:v="urn:schemas-microsoft-com:vml" Requires="v">
-                <p:oleObj spid="_x0000_s9225" name="think-cell Slide" r:id="rId5" imgW="7772400" imgH="10058400" progId="TCLayout.ActiveDocument.1">
+                <p:oleObj spid="_x0000_s9228" name="think-cell Slide" r:id="rId5" imgW="7772400" imgH="10058400" progId="TCLayout.ActiveDocument.1">
                   <p:embed/>
                 </p:oleObj>
               </mc:Choice>
@@ -6487,7 +6487,7 @@
           <a:graphicData uri="http://schemas.openxmlformats.org/presentationml/2006/ole">
             <mc:AlternateContent xmlns:mc="http://schemas.openxmlformats.org/markup-compatibility/2006">
               <mc:Choice xmlns:v="urn:schemas-microsoft-com:vml" Requires="v">
-                <p:oleObj spid="_x0000_s10250" name="think-cell Slide" r:id="rId5" imgW="7772400" imgH="10058400" progId="TCLayout.ActiveDocument.1">
+                <p:oleObj spid="_x0000_s10253" name="think-cell Slide" r:id="rId5" imgW="7772400" imgH="10058400" progId="TCLayout.ActiveDocument.1">
                   <p:embed/>
                 </p:oleObj>
               </mc:Choice>
@@ -7064,7 +7064,7 @@
           <a:graphicData uri="http://schemas.openxmlformats.org/presentationml/2006/ole">
             <mc:AlternateContent xmlns:mc="http://schemas.openxmlformats.org/markup-compatibility/2006">
               <mc:Choice xmlns:v="urn:schemas-microsoft-com:vml" Requires="v">
-                <p:oleObj spid="_x0000_s12294" name="think-cell Slide" r:id="rId5" imgW="7772400" imgH="10058400" progId="TCLayout.ActiveDocument.1">
+                <p:oleObj spid="_x0000_s12297" name="think-cell Slide" r:id="rId5" imgW="7772400" imgH="10058400" progId="TCLayout.ActiveDocument.1">
                   <p:embed/>
                 </p:oleObj>
               </mc:Choice>
@@ -7824,7 +7824,7 @@
           <a:graphicData uri="http://schemas.openxmlformats.org/presentationml/2006/ole">
             <mc:AlternateContent xmlns:mc="http://schemas.openxmlformats.org/markup-compatibility/2006">
               <mc:Choice xmlns:v="urn:schemas-microsoft-com:vml" Requires="v">
-                <p:oleObj spid="_x0000_s13317" name="think-cell Slide" r:id="rId4" imgW="7772400" imgH="10058400" progId="TCLayout.ActiveDocument.1">
+                <p:oleObj spid="_x0000_s13320" name="think-cell Slide" r:id="rId4" imgW="7772400" imgH="10058400" progId="TCLayout.ActiveDocument.1">
                   <p:embed/>
                 </p:oleObj>
               </mc:Choice>
@@ -8953,7 +8953,7 @@
             </p:custDataLst>
             <p:extLst>
               <p:ext uri="{D42A27DB-BD31-4B8C-83A1-F6EECF244321}">
-                <p14:modId xmlns:p14="http://schemas.microsoft.com/office/powerpoint/2010/main" val="2942275174"/>
+                <p14:modId xmlns:p14="http://schemas.microsoft.com/office/powerpoint/2010/main" val="1467068284"/>
               </p:ext>
             </p:extLst>
           </p:nvPr>
@@ -8966,7 +8966,7 @@
           <a:graphicData uri="http://schemas.openxmlformats.org/presentationml/2006/ole">
             <mc:AlternateContent xmlns:mc="http://schemas.openxmlformats.org/markup-compatibility/2006">
               <mc:Choice xmlns:v="urn:schemas-microsoft-com:vml" Requires="v">
-                <p:oleObj spid="_x0000_s11273" name="think-cell Slide" r:id="rId21" imgW="7772400" imgH="10058400" progId="TCLayout.ActiveDocument.1">
+                <p:oleObj spid="_x0000_s11276" name="think-cell Slide" r:id="rId21" imgW="7772400" imgH="10058400" progId="TCLayout.ActiveDocument.1">
                   <p:embed/>
                 </p:oleObj>
               </mc:Choice>
@@ -12874,7 +12874,7 @@
           <a:graphicData uri="http://schemas.openxmlformats.org/presentationml/2006/ole">
             <mc:AlternateContent xmlns:mc="http://schemas.openxmlformats.org/markup-compatibility/2006">
               <mc:Choice xmlns:v="urn:schemas-microsoft-com:vml" Requires="v">
-                <p:oleObj spid="_x0000_s14340" name="think-cell Slide" r:id="rId4" imgW="7772400" imgH="10058400" progId="TCLayout.ActiveDocument.1">
+                <p:oleObj spid="_x0000_s14343" name="think-cell Slide" r:id="rId4" imgW="7772400" imgH="10058400" progId="TCLayout.ActiveDocument.1">
                   <p:embed/>
                 </p:oleObj>
               </mc:Choice>
@@ -13045,7 +13045,7 @@
           <a:graphicData uri="http://schemas.openxmlformats.org/presentationml/2006/ole">
             <mc:AlternateContent xmlns:mc="http://schemas.openxmlformats.org/markup-compatibility/2006">
               <mc:Choice xmlns:v="urn:schemas-microsoft-com:vml" Requires="v">
-                <p:oleObj spid="_x0000_s15364" name="think-cell Slide" r:id="rId4" imgW="7772400" imgH="10058400" progId="TCLayout.ActiveDocument.1">
+                <p:oleObj spid="_x0000_s15367" name="think-cell Slide" r:id="rId4" imgW="7772400" imgH="10058400" progId="TCLayout.ActiveDocument.1">
                   <p:embed/>
                 </p:oleObj>
               </mc:Choice>
@@ -13773,7 +13773,7 @@
           <a:graphicData uri="http://schemas.openxmlformats.org/presentationml/2006/ole">
             <mc:AlternateContent xmlns:mc="http://schemas.openxmlformats.org/markup-compatibility/2006">
               <mc:Choice xmlns:v="urn:schemas-microsoft-com:vml" Requires="v">
-                <p:oleObj spid="_x0000_s8204" name="think-cell Slide" r:id="rId5" imgW="7772400" imgH="10058400" progId="TCLayout.ActiveDocument.1">
+                <p:oleObj spid="_x0000_s8207" name="think-cell Slide" r:id="rId5" imgW="7772400" imgH="10058400" progId="TCLayout.ActiveDocument.1">
                   <p:embed/>
                 </p:oleObj>
               </mc:Choice>
@@ -14577,7 +14577,7 @@
               <a:t>1/10 </a:t>
             </a:r>
             <a:r>
-              <a:rPr lang="en-US" sz="2400" dirty="0">
+              <a:rPr lang="en-US" sz="2400">
                 <a:solidFill>
                   <a:srgbClr val="33F594"/>
                 </a:solidFill>
@@ -14585,11 +14585,11 @@
               <a:t>≟</a:t>
             </a:r>
             <a:r>
-              <a:rPr lang="en-US" sz="2400" dirty="0"/>
-              <a:t> 1/100 </a:t>
-            </a:r>
-            <a:r>
-              <a:rPr lang="en-US" sz="2400" dirty="0">
+              <a:rPr lang="en-US" sz="2400"/>
+              <a:t> 10/100 </a:t>
+            </a:r>
+            <a:r>
+              <a:rPr lang="en-US" sz="2400">
                 <a:solidFill>
                   <a:srgbClr val="33F594"/>
                 </a:solidFill>
@@ -14597,9 +14597,10 @@
               <a:t>≟</a:t>
             </a:r>
             <a:r>
-              <a:rPr lang="en-US" sz="2400" dirty="0"/>
-              <a:t> 1/1000</a:t>
-            </a:r>
+              <a:rPr lang="en-US" sz="2400"/>
+              <a:t> 100/1000</a:t>
+            </a:r>
+            <a:endParaRPr lang="en-US" sz="2400" dirty="0"/>
           </a:p>
         </p:txBody>
       </p:sp>
@@ -14664,7 +14665,7 @@
           <a:graphicData uri="http://schemas.openxmlformats.org/presentationml/2006/ole">
             <mc:AlternateContent xmlns:mc="http://schemas.openxmlformats.org/markup-compatibility/2006">
               <mc:Choice xmlns:v="urn:schemas-microsoft-com:vml" Requires="v">
-                <p:oleObj spid="_x0000_s3095" name="think-cell Slide" r:id="rId5" imgW="7772400" imgH="10058400" progId="TCLayout.ActiveDocument.1">
+                <p:oleObj spid="_x0000_s3098" name="think-cell Slide" r:id="rId5" imgW="7772400" imgH="10058400" progId="TCLayout.ActiveDocument.1">
                   <p:embed/>
                 </p:oleObj>
               </mc:Choice>
@@ -14920,7 +14921,7 @@
           <a:graphicData uri="http://schemas.openxmlformats.org/presentationml/2006/ole">
             <mc:AlternateContent xmlns:mc="http://schemas.openxmlformats.org/markup-compatibility/2006">
               <mc:Choice xmlns:v="urn:schemas-microsoft-com:vml" Requires="v">
-                <p:oleObj spid="_x0000_s4117" name="think-cell Slide" r:id="rId10" imgW="7772400" imgH="10058400" progId="TCLayout.ActiveDocument.1">
+                <p:oleObj spid="_x0000_s4120" name="think-cell Slide" r:id="rId10" imgW="7772400" imgH="10058400" progId="TCLayout.ActiveDocument.1">
                   <p:embed/>
                 </p:oleObj>
               </mc:Choice>
@@ -16227,7 +16228,7 @@
           <a:graphicData uri="http://schemas.openxmlformats.org/presentationml/2006/ole">
             <mc:AlternateContent xmlns:mc="http://schemas.openxmlformats.org/markup-compatibility/2006">
               <mc:Choice xmlns:v="urn:schemas-microsoft-com:vml" Requires="v">
-                <p:oleObj spid="_x0000_s6160" name="think-cell Slide" r:id="rId23" imgW="7772400" imgH="10058400" progId="TCLayout.ActiveDocument.1">
+                <p:oleObj spid="_x0000_s6163" name="think-cell Slide" r:id="rId23" imgW="7772400" imgH="10058400" progId="TCLayout.ActiveDocument.1">
                   <p:embed/>
                 </p:oleObj>
               </mc:Choice>
@@ -20725,7 +20726,7 @@
           <a:graphicData uri="http://schemas.openxmlformats.org/presentationml/2006/ole">
             <mc:AlternateContent xmlns:mc="http://schemas.openxmlformats.org/markup-compatibility/2006">
               <mc:Choice xmlns:v="urn:schemas-microsoft-com:vml" Requires="v">
-                <p:oleObj spid="_x0000_s5139" name="think-cell Slide" r:id="rId28" imgW="7772400" imgH="10058400" progId="TCLayout.ActiveDocument.1">
+                <p:oleObj spid="_x0000_s5142" name="think-cell Slide" r:id="rId28" imgW="7772400" imgH="10058400" progId="TCLayout.ActiveDocument.1">
                   <p:embed/>
                 </p:oleObj>
               </mc:Choice>
@@ -25752,7 +25753,7 @@
           <a:graphicData uri="http://schemas.openxmlformats.org/presentationml/2006/ole">
             <mc:AlternateContent xmlns:mc="http://schemas.openxmlformats.org/markup-compatibility/2006">
               <mc:Choice xmlns:v="urn:schemas-microsoft-com:vml" Requires="v">
-                <p:oleObj spid="_x0000_s7180" name="think-cell Slide" r:id="rId5" imgW="7772400" imgH="10058400" progId="TCLayout.ActiveDocument.1">
+                <p:oleObj spid="_x0000_s7183" name="think-cell Slide" r:id="rId5" imgW="7772400" imgH="10058400" progId="TCLayout.ActiveDocument.1">
                   <p:embed/>
                 </p:oleObj>
               </mc:Choice>
